--- a/testNLP/sentiment.pptx
+++ b/testNLP/sentiment.pptx
@@ -11,6 +11,7 @@
     <p:sldId id="261" r:id="rId5"/>
     <p:sldId id="259" r:id="rId6"/>
     <p:sldId id="260" r:id="rId7"/>
+    <p:sldId id="262" r:id="rId8"/>
   </p:sldIdLst>
   <p:sldSz cx="12192000" cy="6858000"/>
   <p:notesSz cx="6858000" cy="9144000"/>
@@ -109,6 +110,11 @@
       </a:defRPr>
     </a:lvl9pPr>
   </p:defaultTextStyle>
+  <p:extLst>
+    <p:ext uri="{EFAFB233-063F-42B5-8137-9DF3F51BA10A}">
+      <p15:sldGuideLst xmlns:p15="http://schemas.microsoft.com/office/powerpoint/2012/main"/>
+    </p:ext>
+  </p:extLst>
 </p:presentation>
 </file>
 
@@ -2985,13 +2991,6 @@
           <a:lstStyle/>
           <a:p>
             <a:r>
-              <a:rPr lang="en-US" dirty="0" smtClean="0"/>
-              <a:t>Sentiment Analysis etc.</a:t>
-            </a:r>
-            <a:br>
-              <a:rPr lang="en-US" dirty="0" smtClean="0"/>
-            </a:br>
-            <a:r>
               <a:rPr lang="en-US" dirty="0" smtClean="0">
                 <a:sym typeface="Wingdings"/>
               </a:rPr>
@@ -2999,7 +2998,36 @@
             </a:r>
             <a:r>
               <a:rPr lang="en-US" dirty="0" smtClean="0"/>
-              <a:t>slide 1/97 </a:t>
+              <a:t>Sentiment </a:t>
+            </a:r>
+            <a:r>
+              <a:rPr lang="en-US" dirty="0" smtClean="0"/>
+              <a:t>Analysis etc</a:t>
+            </a:r>
+            <a:r>
+              <a:rPr lang="en-US" dirty="0" smtClean="0"/>
+              <a:t>. </a:t>
+            </a:r>
+            <a:r>
+              <a:rPr lang="en-US" dirty="0" smtClean="0">
+                <a:sym typeface="Wingdings"/>
+              </a:rPr>
+              <a:t></a:t>
+            </a:r>
+            <a:r>
+              <a:rPr lang="en-US" dirty="0" smtClean="0"/>
+              <a:t/>
+            </a:r>
+            <a:br>
+              <a:rPr lang="en-US" dirty="0" smtClean="0"/>
+            </a:br>
+            <a:r>
+              <a:rPr lang="en-US" dirty="0" smtClean="0"/>
+              <a:t>slide </a:t>
+            </a:r>
+            <a:r>
+              <a:rPr lang="en-US" dirty="0" smtClean="0"/>
+              <a:t>1/97 </a:t>
             </a:r>
             <a:r>
               <a:rPr lang="en-US" dirty="0" smtClean="0">
@@ -3028,12 +3056,18 @@
           <a:p>
             <a:r>
               <a:rPr lang="en-US" dirty="0" smtClean="0"/>
-              <a:t>More stars</a:t>
+              <a:t>More </a:t>
+            </a:r>
+            <a:r>
+              <a:rPr lang="en-US" dirty="0" smtClean="0"/>
+              <a:t>stars</a:t>
             </a:r>
             <a:r>
               <a:rPr lang="is-IS" dirty="0" smtClean="0"/>
               <a:t>…</a:t>
             </a:r>
+          </a:p>
+          <a:p>
             <a:endParaRPr lang="en-US" dirty="0"/>
           </a:p>
         </p:txBody>
@@ -3868,6 +3902,169 @@
     <p:extLst>
       <p:ext uri="{BB962C8B-B14F-4D97-AF65-F5344CB8AC3E}">
         <p14:creationId xmlns:p14="http://schemas.microsoft.com/office/powerpoint/2010/main" val="918380380"/>
+      </p:ext>
+    </p:extLst>
+  </p:cSld>
+  <p:clrMapOvr>
+    <a:masterClrMapping/>
+  </p:clrMapOvr>
+</p:sld>
+</file>
+
+<file path=ppt/slides/slide7.xml><?xml version="1.0" encoding="utf-8"?>
+<p:sld xmlns:a="http://schemas.openxmlformats.org/drawingml/2006/main" xmlns:r="http://schemas.openxmlformats.org/officeDocument/2006/relationships" xmlns:p="http://schemas.openxmlformats.org/presentationml/2006/main">
+  <p:cSld>
+    <p:spTree>
+      <p:nvGrpSpPr>
+        <p:cNvPr id="1" name=""/>
+        <p:cNvGrpSpPr/>
+        <p:nvPr/>
+      </p:nvGrpSpPr>
+      <p:grpSpPr>
+        <a:xfrm>
+          <a:off x="0" y="0"/>
+          <a:ext cx="0" cy="0"/>
+          <a:chOff x="0" y="0"/>
+          <a:chExt cx="0" cy="0"/>
+        </a:xfrm>
+      </p:grpSpPr>
+      <p:sp>
+        <p:nvSpPr>
+          <p:cNvPr id="2" name="Title 1"/>
+          <p:cNvSpPr>
+            <a:spLocks noGrp="1"/>
+          </p:cNvSpPr>
+          <p:nvPr>
+            <p:ph type="title"/>
+          </p:nvPr>
+        </p:nvSpPr>
+        <p:spPr/>
+        <p:txBody>
+          <a:bodyPr/>
+          <a:lstStyle/>
+          <a:p>
+            <a:r>
+              <a:rPr lang="en-US" dirty="0" smtClean="0"/>
+              <a:t>Summary	</a:t>
+            </a:r>
+            <a:endParaRPr lang="en-US" dirty="0"/>
+          </a:p>
+        </p:txBody>
+      </p:sp>
+      <p:sp>
+        <p:nvSpPr>
+          <p:cNvPr id="3" name="Content Placeholder 2"/>
+          <p:cNvSpPr>
+            <a:spLocks noGrp="1"/>
+          </p:cNvSpPr>
+          <p:nvPr>
+            <p:ph idx="1"/>
+          </p:nvPr>
+        </p:nvSpPr>
+        <p:spPr>
+          <a:xfrm>
+            <a:off x="838200" y="1202076"/>
+            <a:ext cx="10515600" cy="4974887"/>
+          </a:xfrm>
+        </p:spPr>
+        <p:txBody>
+          <a:bodyPr>
+            <a:normAutofit/>
+          </a:bodyPr>
+          <a:lstStyle/>
+          <a:p>
+            <a:r>
+              <a:rPr lang="en-US" dirty="0" smtClean="0"/>
+              <a:t>NLTK provides what we need.</a:t>
+            </a:r>
+          </a:p>
+          <a:p>
+            <a:r>
+              <a:rPr lang="en-US" dirty="0" smtClean="0"/>
+              <a:t>Can be trained – allowing a number of classifiers – one per domain if needed.</a:t>
+            </a:r>
+          </a:p>
+          <a:p>
+            <a:r>
+              <a:rPr lang="en-US" dirty="0" smtClean="0"/>
+              <a:t>Can </a:t>
+            </a:r>
+            <a:r>
+              <a:rPr lang="en-US" dirty="0" err="1" smtClean="0"/>
+              <a:t>initialise</a:t>
+            </a:r>
+            <a:r>
+              <a:rPr lang="en-US" dirty="0" smtClean="0"/>
+              <a:t> classifier with Amazon  reviews and then apply </a:t>
+            </a:r>
+            <a:r>
+              <a:rPr lang="en-US" dirty="0" err="1" smtClean="0"/>
+              <a:t>Feefo</a:t>
+            </a:r>
+            <a:r>
+              <a:rPr lang="en-US" dirty="0" smtClean="0"/>
+              <a:t> specific training.</a:t>
+            </a:r>
+          </a:p>
+          <a:p>
+            <a:pPr lvl="1"/>
+            <a:r>
+              <a:rPr lang="en-US" dirty="0" smtClean="0"/>
+              <a:t>Then apply batched training at regular intervals</a:t>
+            </a:r>
+          </a:p>
+          <a:p>
+            <a:r>
+              <a:rPr lang="en-US" dirty="0" smtClean="0"/>
+              <a:t>Bayesian classification is simple yet robust and perhaps not quite as naïve as expected.</a:t>
+            </a:r>
+          </a:p>
+          <a:p>
+            <a:r>
+              <a:rPr lang="en-US" dirty="0"/>
+              <a:t>Code/results at </a:t>
+            </a:r>
+          </a:p>
+          <a:p>
+            <a:pPr marL="0" indent="0">
+              <a:buNone/>
+            </a:pPr>
+            <a:r>
+              <a:rPr lang="en-US" dirty="0" smtClean="0"/>
+              <a:t>     https</a:t>
+            </a:r>
+            <a:r>
+              <a:rPr lang="en-US" dirty="0"/>
+              <a:t>://</a:t>
+            </a:r>
+            <a:r>
+              <a:rPr lang="en-US" dirty="0" err="1"/>
+              <a:t>github.com</a:t>
+            </a:r>
+            <a:r>
+              <a:rPr lang="en-US" dirty="0"/>
+              <a:t>/mike-k-</a:t>
+            </a:r>
+            <a:r>
+              <a:rPr lang="en-US" dirty="0" err="1"/>
+              <a:t>houghton</a:t>
+            </a:r>
+            <a:r>
+              <a:rPr lang="en-US" dirty="0"/>
+              <a:t>/</a:t>
+            </a:r>
+            <a:r>
+              <a:rPr lang="en-US" dirty="0" err="1"/>
+              <a:t>nlp</a:t>
+            </a:r>
+            <a:endParaRPr lang="en-US" dirty="0"/>
+          </a:p>
+        </p:txBody>
+      </p:sp>
+    </p:spTree>
+    <p:extLst>
+      <p:ext uri="{BB962C8B-B14F-4D97-AF65-F5344CB8AC3E}">
+        <p14:creationId xmlns:p14="http://schemas.microsoft.com/office/powerpoint/2010/main" val="1216648919"/>
       </p:ext>
     </p:extLst>
   </p:cSld>
